--- a/07News/06History/2018.pptx
+++ b/07News/06History/2018.pptx
@@ -234,7 +234,7 @@
           <a:p>
             <a:fld id="{E8CF71B8-DF2A-2E41-BE66-2E18A767DA8A}" type="datetimeFigureOut">
               <a:rPr lang="en-US" smtClean="0"/>
-              <a:t>1/27/25</a:t>
+              <a:t>2/2/25</a:t>
             </a:fld>
             <a:endParaRPr lang="en-US"/>
           </a:p>
@@ -411,7 +411,7 @@
           <a:p>
             <a:fld id="{0DD60A27-BF12-6744-9E93-932A0E34D8BB}" type="datetimeFigureOut">
               <a:rPr lang="en-US" smtClean="0"/>
-              <a:t>1/27/25</a:t>
+              <a:t>2/2/25</a:t>
             </a:fld>
             <a:endParaRPr lang="en-US"/>
           </a:p>
@@ -32676,6 +32676,45 @@
           </a:p>
         </p:txBody>
       </p:sp>
+      <p:sp>
+        <p:nvSpPr>
+          <p:cNvPr id="3" name="文本框 2">
+            <a:extLst>
+              <a:ext uri="{FF2B5EF4-FFF2-40B4-BE49-F238E27FC236}">
+                <a16:creationId xmlns:a16="http://schemas.microsoft.com/office/drawing/2014/main" id="{F964371D-BB22-B987-2254-A597F0C346D2}"/>
+              </a:ext>
+            </a:extLst>
+          </p:cNvPr>
+          <p:cNvSpPr txBox="1"/>
+          <p:nvPr/>
+        </p:nvSpPr>
+        <p:spPr>
+          <a:xfrm>
+            <a:off x="1739462" y="4380214"/>
+            <a:ext cx="8271640" cy="276999"/>
+          </a:xfrm>
+          <a:prstGeom prst="rect">
+            <a:avLst/>
+          </a:prstGeom>
+          <a:noFill/>
+        </p:spPr>
+        <p:txBody>
+          <a:bodyPr wrap="square">
+            <a:spAutoFit/>
+          </a:bodyPr>
+          <a:lstStyle/>
+          <a:p>
+            <a:r>
+              <a:rPr lang="zh-CN" altLang="en-US" sz="1200" dirty="0">
+                <a:solidFill>
+                  <a:srgbClr val="0432FF"/>
+                </a:solidFill>
+              </a:rPr>
+              <a:t>https://www.youtube.com/watch?v=Efjwy5PEXZw&amp;pp=ygUQQ2FtYnJpY29uIE1MVTEwMA%3D%3D</a:t>
+            </a:r>
+          </a:p>
+        </p:txBody>
+      </p:sp>
     </p:spTree>
     <p:extLst>
       <p:ext uri="{BB962C8B-B14F-4D97-AF65-F5344CB8AC3E}">
@@ -33036,6 +33075,84 @@
           </a:p>
         </p:txBody>
       </p:sp>
+      <p:sp>
+        <p:nvSpPr>
+          <p:cNvPr id="3" name="文本框 2">
+            <a:extLst>
+              <a:ext uri="{FF2B5EF4-FFF2-40B4-BE49-F238E27FC236}">
+                <a16:creationId xmlns:a16="http://schemas.microsoft.com/office/drawing/2014/main" id="{47349A19-3919-9F54-4F39-A3C18C94EDF9}"/>
+              </a:ext>
+            </a:extLst>
+          </p:cNvPr>
+          <p:cNvSpPr txBox="1"/>
+          <p:nvPr/>
+        </p:nvSpPr>
+        <p:spPr>
+          <a:xfrm>
+            <a:off x="3301488" y="1416297"/>
+            <a:ext cx="8271640" cy="276999"/>
+          </a:xfrm>
+          <a:prstGeom prst="rect">
+            <a:avLst/>
+          </a:prstGeom>
+          <a:noFill/>
+        </p:spPr>
+        <p:txBody>
+          <a:bodyPr wrap="square">
+            <a:spAutoFit/>
+          </a:bodyPr>
+          <a:lstStyle/>
+          <a:p>
+            <a:r>
+              <a:rPr lang="zh-CN" altLang="en-US" sz="1200" dirty="0">
+                <a:solidFill>
+                  <a:srgbClr val="0432FF"/>
+                </a:solidFill>
+              </a:rPr>
+              <a:t>https://www.youtube.com/watch?v=P3CmPrDvVWQ&amp;pp=ygUNc21hcnQgY2l0eSBBSQ%3D%3D</a:t>
+            </a:r>
+          </a:p>
+        </p:txBody>
+      </p:sp>
+      <p:sp>
+        <p:nvSpPr>
+          <p:cNvPr id="7" name="文本框 6">
+            <a:extLst>
+              <a:ext uri="{FF2B5EF4-FFF2-40B4-BE49-F238E27FC236}">
+                <a16:creationId xmlns:a16="http://schemas.microsoft.com/office/drawing/2014/main" id="{14918AB7-BD61-873D-1B86-922FB727679D}"/>
+              </a:ext>
+            </a:extLst>
+          </p:cNvPr>
+          <p:cNvSpPr txBox="1"/>
+          <p:nvPr/>
+        </p:nvSpPr>
+        <p:spPr>
+          <a:xfrm>
+            <a:off x="2286001" y="2835193"/>
+            <a:ext cx="8271640" cy="276999"/>
+          </a:xfrm>
+          <a:prstGeom prst="rect">
+            <a:avLst/>
+          </a:prstGeom>
+          <a:noFill/>
+        </p:spPr>
+        <p:txBody>
+          <a:bodyPr wrap="square">
+            <a:spAutoFit/>
+          </a:bodyPr>
+          <a:lstStyle/>
+          <a:p>
+            <a:r>
+              <a:rPr lang="zh-CN" altLang="en-US" sz="1200" dirty="0">
+                <a:solidFill>
+                  <a:srgbClr val="0432FF"/>
+                </a:solidFill>
+              </a:rPr>
+              <a:t>https://www.youtube.com/watch?v=qetKUFDDF4A&amp;pp=ygUTU21hcnQgaGVhbHRoY2FyZSBhaQ%3D%3D</a:t>
+            </a:r>
+          </a:p>
+        </p:txBody>
+      </p:sp>
     </p:spTree>
     <p:extLst>
       <p:ext uri="{BB962C8B-B14F-4D97-AF65-F5344CB8AC3E}">
@@ -33257,6 +33374,84 @@
           </a:p>
           <a:p>
             <a:endParaRPr lang="zh-CN" altLang="en-US" dirty="0"/>
+          </a:p>
+        </p:txBody>
+      </p:sp>
+      <p:sp>
+        <p:nvSpPr>
+          <p:cNvPr id="3" name="文本框 2">
+            <a:extLst>
+              <a:ext uri="{FF2B5EF4-FFF2-40B4-BE49-F238E27FC236}">
+                <a16:creationId xmlns:a16="http://schemas.microsoft.com/office/drawing/2014/main" id="{094003C8-C695-BF5F-578A-EA8F9743D566}"/>
+              </a:ext>
+            </a:extLst>
+          </p:cNvPr>
+          <p:cNvSpPr txBox="1"/>
+          <p:nvPr/>
+        </p:nvSpPr>
+        <p:spPr>
+          <a:xfrm>
+            <a:off x="4093780" y="1246909"/>
+            <a:ext cx="8271640" cy="276999"/>
+          </a:xfrm>
+          <a:prstGeom prst="rect">
+            <a:avLst/>
+          </a:prstGeom>
+          <a:noFill/>
+        </p:spPr>
+        <p:txBody>
+          <a:bodyPr wrap="square">
+            <a:spAutoFit/>
+          </a:bodyPr>
+          <a:lstStyle/>
+          <a:p>
+            <a:r>
+              <a:rPr lang="zh-CN" altLang="en-US" sz="1200" dirty="0">
+                <a:solidFill>
+                  <a:srgbClr val="0432FF"/>
+                </a:solidFill>
+              </a:rPr>
+              <a:t>https://www.youtube.com/watch?v=D5VN56jQMWM&amp;pp=ygUOR29vZ2xlIER1cGxleCA%3D</a:t>
+            </a:r>
+          </a:p>
+        </p:txBody>
+      </p:sp>
+      <p:sp>
+        <p:nvSpPr>
+          <p:cNvPr id="7" name="文本框 6">
+            <a:extLst>
+              <a:ext uri="{FF2B5EF4-FFF2-40B4-BE49-F238E27FC236}">
+                <a16:creationId xmlns:a16="http://schemas.microsoft.com/office/drawing/2014/main" id="{AF831556-1CCE-BC88-DD4E-5EC2711850FA}"/>
+              </a:ext>
+            </a:extLst>
+          </p:cNvPr>
+          <p:cNvSpPr txBox="1"/>
+          <p:nvPr/>
+        </p:nvSpPr>
+        <p:spPr>
+          <a:xfrm>
+            <a:off x="3799490" y="3290500"/>
+            <a:ext cx="8271640" cy="276999"/>
+          </a:xfrm>
+          <a:prstGeom prst="rect">
+            <a:avLst/>
+          </a:prstGeom>
+          <a:noFill/>
+        </p:spPr>
+        <p:txBody>
+          <a:bodyPr wrap="square">
+            <a:spAutoFit/>
+          </a:bodyPr>
+          <a:lstStyle/>
+          <a:p>
+            <a:r>
+              <a:rPr lang="zh-CN" altLang="en-US" sz="1200" dirty="0">
+                <a:solidFill>
+                  <a:srgbClr val="0432FF"/>
+                </a:solidFill>
+              </a:rPr>
+              <a:t>https://www.youtube.com/watch?v=hA_-MkU0Nfw&amp;pp=ygUYd2F5bW8gYXV0b25vbW91cyBkcml2aW5n</a:t>
+            </a:r>
           </a:p>
         </p:txBody>
       </p:sp>
@@ -34047,6 +34242,84 @@
           </a:p>
         </p:txBody>
       </p:sp>
+      <p:sp>
+        <p:nvSpPr>
+          <p:cNvPr id="5" name="文本框 4">
+            <a:extLst>
+              <a:ext uri="{FF2B5EF4-FFF2-40B4-BE49-F238E27FC236}">
+                <a16:creationId xmlns:a16="http://schemas.microsoft.com/office/drawing/2014/main" id="{D24EBAD6-1A71-936E-212F-448D8175B23D}"/>
+              </a:ext>
+            </a:extLst>
+          </p:cNvPr>
+          <p:cNvSpPr txBox="1"/>
+          <p:nvPr/>
+        </p:nvSpPr>
+        <p:spPr>
+          <a:xfrm>
+            <a:off x="3011214" y="1509667"/>
+            <a:ext cx="8271640" cy="276999"/>
+          </a:xfrm>
+          <a:prstGeom prst="rect">
+            <a:avLst/>
+          </a:prstGeom>
+          <a:noFill/>
+        </p:spPr>
+        <p:txBody>
+          <a:bodyPr wrap="square">
+            <a:spAutoFit/>
+          </a:bodyPr>
+          <a:lstStyle/>
+          <a:p>
+            <a:r>
+              <a:rPr lang="zh-CN" altLang="en-US" sz="1200" dirty="0">
+                <a:solidFill>
+                  <a:srgbClr val="0432FF"/>
+                </a:solidFill>
+              </a:rPr>
+              <a:t>https://www.youtube.com/watch?v=t45S_MwAcOw&amp;pp=ygUEQkVSVA%3D%3D</a:t>
+            </a:r>
+          </a:p>
+        </p:txBody>
+      </p:sp>
+      <p:sp>
+        <p:nvSpPr>
+          <p:cNvPr id="6" name="文本框 5">
+            <a:extLst>
+              <a:ext uri="{FF2B5EF4-FFF2-40B4-BE49-F238E27FC236}">
+                <a16:creationId xmlns:a16="http://schemas.microsoft.com/office/drawing/2014/main" id="{F4B2993C-5245-7BBF-F094-2E90FAF0EBE4}"/>
+              </a:ext>
+            </a:extLst>
+          </p:cNvPr>
+          <p:cNvSpPr txBox="1"/>
+          <p:nvPr/>
+        </p:nvSpPr>
+        <p:spPr>
+          <a:xfrm>
+            <a:off x="3301488" y="3290500"/>
+            <a:ext cx="8271640" cy="276999"/>
+          </a:xfrm>
+          <a:prstGeom prst="rect">
+            <a:avLst/>
+          </a:prstGeom>
+          <a:noFill/>
+        </p:spPr>
+        <p:txBody>
+          <a:bodyPr wrap="square">
+            <a:spAutoFit/>
+          </a:bodyPr>
+          <a:lstStyle/>
+          <a:p>
+            <a:r>
+              <a:rPr lang="zh-CN" altLang="en-US" sz="1200" dirty="0">
+                <a:solidFill>
+                  <a:srgbClr val="0432FF"/>
+                </a:solidFill>
+              </a:rPr>
+              <a:t>https://www.youtube.com/watch?v=t45S_MwAcOw&amp;pp=ygUEQkVSVA%3D%3D</a:t>
+            </a:r>
+          </a:p>
+        </p:txBody>
+      </p:sp>
     </p:spTree>
     <p:extLst>
       <p:ext uri="{BB962C8B-B14F-4D97-AF65-F5344CB8AC3E}">
@@ -34234,6 +34507,84 @@
           </a:p>
           <a:p>
             <a:endParaRPr lang="zh-CN" altLang="en-US" dirty="0"/>
+          </a:p>
+        </p:txBody>
+      </p:sp>
+      <p:sp>
+        <p:nvSpPr>
+          <p:cNvPr id="3" name="文本框 2">
+            <a:extLst>
+              <a:ext uri="{FF2B5EF4-FFF2-40B4-BE49-F238E27FC236}">
+                <a16:creationId xmlns:a16="http://schemas.microsoft.com/office/drawing/2014/main" id="{DB56A6A6-521E-1386-0910-E3B5BC7CA47B}"/>
+              </a:ext>
+            </a:extLst>
+          </p:cNvPr>
+          <p:cNvSpPr txBox="1"/>
+          <p:nvPr/>
+        </p:nvSpPr>
+        <p:spPr>
+          <a:xfrm>
+            <a:off x="3547242" y="1407651"/>
+            <a:ext cx="8271640" cy="276999"/>
+          </a:xfrm>
+          <a:prstGeom prst="rect">
+            <a:avLst/>
+          </a:prstGeom>
+          <a:noFill/>
+        </p:spPr>
+        <p:txBody>
+          <a:bodyPr wrap="square">
+            <a:spAutoFit/>
+          </a:bodyPr>
+          <a:lstStyle/>
+          <a:p>
+            <a:r>
+              <a:rPr lang="zh-CN" altLang="en-US" sz="1200" dirty="0">
+                <a:solidFill>
+                  <a:srgbClr val="0432FF"/>
+                </a:solidFill>
+              </a:rPr>
+              <a:t>https://www.youtube.com/watch?v=Unf-7sDUdZ0&amp;pp=ygUGQmlnR0FO</a:t>
+            </a:r>
+          </a:p>
+        </p:txBody>
+      </p:sp>
+      <p:sp>
+        <p:nvSpPr>
+          <p:cNvPr id="7" name="文本框 6">
+            <a:extLst>
+              <a:ext uri="{FF2B5EF4-FFF2-40B4-BE49-F238E27FC236}">
+                <a16:creationId xmlns:a16="http://schemas.microsoft.com/office/drawing/2014/main" id="{6CF64279-9527-C813-DB25-A8A73C0FDDFC}"/>
+              </a:ext>
+            </a:extLst>
+          </p:cNvPr>
+          <p:cNvSpPr txBox="1"/>
+          <p:nvPr/>
+        </p:nvSpPr>
+        <p:spPr>
+          <a:xfrm>
+            <a:off x="3095297" y="2793152"/>
+            <a:ext cx="8271640" cy="276999"/>
+          </a:xfrm>
+          <a:prstGeom prst="rect">
+            <a:avLst/>
+          </a:prstGeom>
+          <a:noFill/>
+        </p:spPr>
+        <p:txBody>
+          <a:bodyPr wrap="square">
+            <a:spAutoFit/>
+          </a:bodyPr>
+          <a:lstStyle/>
+          <a:p>
+            <a:r>
+              <a:rPr lang="zh-CN" altLang="en-US" sz="1200" dirty="0">
+                <a:solidFill>
+                  <a:srgbClr val="0432FF"/>
+                </a:solidFill>
+              </a:rPr>
+              <a:t>https://www.youtube.com/watch?v=q1o8fNOiWFY&amp;pp=ygUdRG9wYW1pbmUgb3BlbmFpIHJlaW5mb3JjZW1uZXQ%3D</a:t>
+            </a:r>
           </a:p>
         </p:txBody>
       </p:sp>
@@ -34637,6 +34988,123 @@
           </a:p>
         </p:txBody>
       </p:sp>
+      <p:sp>
+        <p:nvSpPr>
+          <p:cNvPr id="3" name="文本框 2">
+            <a:extLst>
+              <a:ext uri="{FF2B5EF4-FFF2-40B4-BE49-F238E27FC236}">
+                <a16:creationId xmlns:a16="http://schemas.microsoft.com/office/drawing/2014/main" id="{23637B2F-D977-9EEC-17DF-C6C88359F0D4}"/>
+              </a:ext>
+            </a:extLst>
+          </p:cNvPr>
+          <p:cNvSpPr txBox="1"/>
+          <p:nvPr/>
+        </p:nvSpPr>
+        <p:spPr>
+          <a:xfrm>
+            <a:off x="3221421" y="1374255"/>
+            <a:ext cx="8271640" cy="276999"/>
+          </a:xfrm>
+          <a:prstGeom prst="rect">
+            <a:avLst/>
+          </a:prstGeom>
+          <a:noFill/>
+        </p:spPr>
+        <p:txBody>
+          <a:bodyPr wrap="square">
+            <a:spAutoFit/>
+          </a:bodyPr>
+          <a:lstStyle/>
+          <a:p>
+            <a:r>
+              <a:rPr lang="zh-CN" altLang="en-US" sz="1200" dirty="0">
+                <a:solidFill>
+                  <a:srgbClr val="0432FF"/>
+                </a:solidFill>
+              </a:rPr>
+              <a:t>https://www.youtube.com/watch?v=WMITGlZCFfw&amp;pp=ygUMUHlUb3JjaCAxLjAg</a:t>
+            </a:r>
+          </a:p>
+        </p:txBody>
+      </p:sp>
+      <p:sp>
+        <p:nvSpPr>
+          <p:cNvPr id="7" name="文本框 6">
+            <a:extLst>
+              <a:ext uri="{FF2B5EF4-FFF2-40B4-BE49-F238E27FC236}">
+                <a16:creationId xmlns:a16="http://schemas.microsoft.com/office/drawing/2014/main" id="{A3976E93-CE32-76DF-CFB6-6B3415E170B8}"/>
+              </a:ext>
+            </a:extLst>
+          </p:cNvPr>
+          <p:cNvSpPr txBox="1"/>
+          <p:nvPr/>
+        </p:nvSpPr>
+        <p:spPr>
+          <a:xfrm>
+            <a:off x="4198883" y="3290500"/>
+            <a:ext cx="8271640" cy="276999"/>
+          </a:xfrm>
+          <a:prstGeom prst="rect">
+            <a:avLst/>
+          </a:prstGeom>
+          <a:noFill/>
+        </p:spPr>
+        <p:txBody>
+          <a:bodyPr wrap="square">
+            <a:spAutoFit/>
+          </a:bodyPr>
+          <a:lstStyle/>
+          <a:p>
+            <a:r>
+              <a:rPr lang="zh-CN" altLang="en-US" sz="1200" dirty="0">
+                <a:solidFill>
+                  <a:srgbClr val="0432FF"/>
+                </a:solidFill>
+              </a:rPr>
+              <a:t>https://www.youtube.com/watch?v=yjprpOoH5c8&amp;t=81s&amp;pp=ygUKVGVuc29yRmxvdw%3D%3D</a:t>
+            </a:r>
+          </a:p>
+        </p:txBody>
+      </p:sp>
+      <p:sp>
+        <p:nvSpPr>
+          <p:cNvPr id="9" name="文本框 8">
+            <a:extLst>
+              <a:ext uri="{FF2B5EF4-FFF2-40B4-BE49-F238E27FC236}">
+                <a16:creationId xmlns:a16="http://schemas.microsoft.com/office/drawing/2014/main" id="{67565857-60D2-B554-7636-FCFCA22902BB}"/>
+              </a:ext>
+            </a:extLst>
+          </p:cNvPr>
+          <p:cNvSpPr txBox="1"/>
+          <p:nvPr/>
+        </p:nvSpPr>
+        <p:spPr>
+          <a:xfrm>
+            <a:off x="2969173" y="4684290"/>
+            <a:ext cx="8271640" cy="276999"/>
+          </a:xfrm>
+          <a:prstGeom prst="rect">
+            <a:avLst/>
+          </a:prstGeom>
+          <a:noFill/>
+        </p:spPr>
+        <p:txBody>
+          <a:bodyPr wrap="square">
+            <a:spAutoFit/>
+          </a:bodyPr>
+          <a:lstStyle/>
+          <a:p>
+            <a:r>
+              <a:rPr lang="zh-CN" altLang="en-US" sz="1200" dirty="0">
+                <a:solidFill>
+                  <a:srgbClr val="0432FF"/>
+                </a:solidFill>
+              </a:rPr>
+              <a:t>https://www.youtube.com/watch?v=ThGiPWrsxU0&amp;list=PLhBhgortqAcih4oJ7G_kjmUKefNQi2gJY</a:t>
+            </a:r>
+          </a:p>
+        </p:txBody>
+      </p:sp>
     </p:spTree>
     <p:extLst>
       <p:ext uri="{BB962C8B-B14F-4D97-AF65-F5344CB8AC3E}">
@@ -35122,6 +35590,113 @@
           </a:p>
         </p:txBody>
       </p:sp>
+      <p:sp>
+        <p:nvSpPr>
+          <p:cNvPr id="3" name="文本框 2">
+            <a:extLst>
+              <a:ext uri="{FF2B5EF4-FFF2-40B4-BE49-F238E27FC236}">
+                <a16:creationId xmlns:a16="http://schemas.microsoft.com/office/drawing/2014/main" id="{EB17DF71-B9BE-3C06-7552-F9737444C2CB}"/>
+              </a:ext>
+            </a:extLst>
+          </p:cNvPr>
+          <p:cNvSpPr txBox="1"/>
+          <p:nvPr/>
+        </p:nvSpPr>
+        <p:spPr>
+          <a:xfrm>
+            <a:off x="2822027" y="1246909"/>
+            <a:ext cx="8271640" cy="646331"/>
+          </a:xfrm>
+          <a:prstGeom prst="rect">
+            <a:avLst/>
+          </a:prstGeom>
+          <a:noFill/>
+        </p:spPr>
+        <p:txBody>
+          <a:bodyPr wrap="square">
+            <a:spAutoFit/>
+          </a:bodyPr>
+          <a:lstStyle/>
+          <a:p>
+            <a:r>
+              <a:rPr lang="zh-CN" altLang="en-US" sz="1200" dirty="0">
+                <a:solidFill>
+                  <a:srgbClr val="0432FF"/>
+                </a:solidFill>
+                <a:hlinkClick r:id="rId2"/>
+              </a:rPr>
+              <a:t>https://www.youtube.com/watch?v=kPMpmcl_Pyw&amp;pp=ygUOQ2xvdWQgVFBVIFBvZHM%3D</a:t>
+            </a:r>
+            <a:endParaRPr lang="en-US" altLang="zh-CN" sz="1200" dirty="0">
+              <a:solidFill>
+                <a:srgbClr val="0432FF"/>
+              </a:solidFill>
+            </a:endParaRPr>
+          </a:p>
+          <a:p>
+            <a:r>
+              <a:rPr lang="en" altLang="zh-CN" sz="1200" dirty="0">
+                <a:solidFill>
+                  <a:srgbClr val="0432FF"/>
+                </a:solidFill>
+                <a:hlinkClick r:id="rId3"/>
+              </a:rPr>
+              <a:t>https://www.youtube.com/watch?v=kBjYK3K3P6M&amp;t=14s&amp;pp=ygUHVFBVIHYzIA%3D%3D</a:t>
+            </a:r>
+            <a:endParaRPr lang="en-US" altLang="zh-CN" sz="1200" dirty="0">
+              <a:solidFill>
+                <a:srgbClr val="0432FF"/>
+              </a:solidFill>
+            </a:endParaRPr>
+          </a:p>
+          <a:p>
+            <a:endParaRPr lang="zh-CN" altLang="en-US" sz="1200" dirty="0">
+              <a:solidFill>
+                <a:srgbClr val="0432FF"/>
+              </a:solidFill>
+            </a:endParaRPr>
+          </a:p>
+        </p:txBody>
+      </p:sp>
+      <p:sp>
+        <p:nvSpPr>
+          <p:cNvPr id="7" name="文本框 6">
+            <a:extLst>
+              <a:ext uri="{FF2B5EF4-FFF2-40B4-BE49-F238E27FC236}">
+                <a16:creationId xmlns:a16="http://schemas.microsoft.com/office/drawing/2014/main" id="{DD66E6AD-9E16-91B8-586F-68748550B38A}"/>
+              </a:ext>
+            </a:extLst>
+          </p:cNvPr>
+          <p:cNvSpPr txBox="1"/>
+          <p:nvPr/>
+        </p:nvSpPr>
+        <p:spPr>
+          <a:xfrm>
+            <a:off x="2475186" y="4254089"/>
+            <a:ext cx="8271640" cy="276999"/>
+          </a:xfrm>
+          <a:prstGeom prst="rect">
+            <a:avLst/>
+          </a:prstGeom>
+          <a:noFill/>
+        </p:spPr>
+        <p:txBody>
+          <a:bodyPr wrap="square">
+            <a:spAutoFit/>
+          </a:bodyPr>
+          <a:lstStyle/>
+          <a:p>
+            <a:r>
+              <a:rPr lang="zh-CN" altLang="en-US" sz="1200" dirty="0">
+                <a:solidFill>
+                  <a:srgbClr val="0432FF"/>
+                </a:solidFill>
+              </a:rPr>
+              <a:t>https://www.youtube.com/watch?v=kNch2v1bh40&amp;pp=ygUIRWRnZSBUUFU%3D</a:t>
+            </a:r>
+          </a:p>
+        </p:txBody>
+      </p:sp>
     </p:spTree>
     <p:extLst>
       <p:ext uri="{BB962C8B-B14F-4D97-AF65-F5344CB8AC3E}">
@@ -35382,6 +35957,89 @@
             <a:r>
               <a:rPr lang="zh-CN" altLang="en-US" dirty="0"/>
               <a:t>模块，具备高性能和低功耗的特点。</a:t>
+            </a:r>
+          </a:p>
+        </p:txBody>
+      </p:sp>
+      <p:sp>
+        <p:nvSpPr>
+          <p:cNvPr id="3" name="文本框 2">
+            <a:extLst>
+              <a:ext uri="{FF2B5EF4-FFF2-40B4-BE49-F238E27FC236}">
+                <a16:creationId xmlns:a16="http://schemas.microsoft.com/office/drawing/2014/main" id="{4A4CA349-9301-9797-12DD-F8DF6FF2383F}"/>
+              </a:ext>
+            </a:extLst>
+          </p:cNvPr>
+          <p:cNvSpPr txBox="1"/>
+          <p:nvPr/>
+        </p:nvSpPr>
+        <p:spPr>
+          <a:xfrm>
+            <a:off x="3831021" y="1395275"/>
+            <a:ext cx="8271640" cy="276999"/>
+          </a:xfrm>
+          <a:prstGeom prst="rect">
+            <a:avLst/>
+          </a:prstGeom>
+          <a:noFill/>
+        </p:spPr>
+        <p:txBody>
+          <a:bodyPr wrap="square">
+            <a:spAutoFit/>
+          </a:bodyPr>
+          <a:lstStyle/>
+          <a:p>
+            <a:r>
+              <a:rPr lang="zh-CN" altLang="en-US" sz="1200">
+                <a:solidFill>
+                  <a:srgbClr val="0432FF"/>
+                </a:solidFill>
+              </a:rPr>
+              <a:t>https://www.youtube.com/watch?v=OTOGw0BRqK0&amp;pp=ygUMbnZpZGlhIERHWC0y</a:t>
+            </a:r>
+            <a:endParaRPr lang="zh-CN" altLang="en-US" sz="1200" dirty="0">
+              <a:solidFill>
+                <a:srgbClr val="0432FF"/>
+              </a:solidFill>
+            </a:endParaRPr>
+          </a:p>
+        </p:txBody>
+      </p:sp>
+      <p:sp>
+        <p:nvSpPr>
+          <p:cNvPr id="7" name="文本框 6">
+            <a:extLst>
+              <a:ext uri="{FF2B5EF4-FFF2-40B4-BE49-F238E27FC236}">
+                <a16:creationId xmlns:a16="http://schemas.microsoft.com/office/drawing/2014/main" id="{D89A989A-BC9E-0C50-535C-B54875B0206C}"/>
+              </a:ext>
+            </a:extLst>
+          </p:cNvPr>
+          <p:cNvSpPr txBox="1"/>
+          <p:nvPr/>
+        </p:nvSpPr>
+        <p:spPr>
+          <a:xfrm>
+            <a:off x="2727434" y="3484179"/>
+            <a:ext cx="8271640" cy="276999"/>
+          </a:xfrm>
+          <a:prstGeom prst="rect">
+            <a:avLst/>
+          </a:prstGeom>
+          <a:noFill/>
+        </p:spPr>
+        <p:txBody>
+          <a:bodyPr wrap="square">
+            <a:spAutoFit/>
+          </a:bodyPr>
+          <a:lstStyle/>
+          <a:p>
+            <a:r>
+              <a:rPr lang="zh-CN" altLang="en-US" sz="1200" dirty="0">
+                <a:solidFill>
+                  <a:srgbClr val="0432FF"/>
+                </a:solidFill>
+              </a:rPr>
+              <a:t>https://www.youtube.com/watch?v=XoWW5HiGHsg&amp;pp=ygURSmV0c29uIEFHWCBYYXZpZXI%3D</a:t>
             </a:r>
           </a:p>
         </p:txBody>
